--- a/Project6/assignment/Project6_第29組_小組報告.pptx
+++ b/Project6/assignment/Project6_第29組_小組報告.pptx
@@ -5777,13 +5777,13 @@
               <a:t>多媒體技術與應用</a:t>
             </a:r>
             <a:br>
-              <a:rPr lang="en-US" altLang="zh-TW"/>
+              <a:rPr lang="en-US" altLang="zh-TW" dirty="0"/>
             </a:br>
             <a:r>
-              <a:rPr lang="en-US" altLang="zh-TW"/>
+              <a:rPr lang="en-US" altLang="zh-TW" dirty="0"/>
               <a:t>Project6</a:t>
             </a:r>
-            <a:endParaRPr lang="zh-TW" altLang="en-US"/>
+            <a:endParaRPr lang="zh-TW" altLang="en-US" dirty="0"/>
           </a:p>
         </p:txBody>
       </p:sp>
@@ -5808,7 +5808,25 @@
           <a:bodyPr/>
           <a:lstStyle/>
           <a:p>
-            <a:endParaRPr lang="zh-TW" altLang="en-US"/>
+            <a:r>
+              <a:rPr lang="en-US" altLang="zh-TW" dirty="0"/>
+              <a:t>108820006</a:t>
+            </a:r>
+            <a:r>
+              <a:rPr lang="zh-TW" altLang="en-US" dirty="0"/>
+              <a:t>楊品賢</a:t>
+            </a:r>
+            <a:endParaRPr lang="en-US" altLang="zh-TW" dirty="0"/>
+          </a:p>
+          <a:p>
+            <a:r>
+              <a:rPr lang="en-US" altLang="zh-TW" dirty="0"/>
+              <a:t>108820018</a:t>
+            </a:r>
+            <a:r>
+              <a:rPr lang="zh-TW" altLang="en-US" dirty="0"/>
+              <a:t>蔡翔宇</a:t>
+            </a:r>
           </a:p>
         </p:txBody>
       </p:sp>
